--- a/Projeto Cinema/Apresentação/cinema FSM.pptx
+++ b/Projeto Cinema/Apresentação/cinema FSM.pptx
@@ -121,6 +121,123 @@
 </p:presentation>
 </file>
 
+<file path=ppt/revisionInfo.xml><?xml version="1.0" encoding="utf-8"?>
+<p1510:revInfo xmlns:a="http://schemas.openxmlformats.org/drawingml/2006/main" xmlns:r="http://schemas.openxmlformats.org/officeDocument/2006/relationships" xmlns:p1510="http://schemas.microsoft.com/office/powerpoint/2015/10/main">
+  <p1510:revLst>
+    <p1510:client id="{77621E93-BE4A-4BBE-9617-31289FE6BC64}" v="2" dt="2021-04-23T16:58:32.217"/>
+  </p1510:revLst>
+</p1510:revInfo>
+</file>
+
+<file path=ppt/changesInfos/changesInfo1.xml><?xml version="1.0" encoding="utf-8"?>
+<pc:chgInfo xmlns:a="http://schemas.openxmlformats.org/drawingml/2006/main" xmlns:r="http://schemas.openxmlformats.org/officeDocument/2006/relationships" xmlns:ac="http://schemas.microsoft.com/office/drawing/2013/main/command" xmlns:pc="http://schemas.microsoft.com/office/powerpoint/2013/main/command">
+  <pc:docChgLst>
+    <pc:chgData name="Gabriel Nogueira da Silva Dantas" userId="695b62b784f1b019" providerId="LiveId" clId="{77621E93-BE4A-4BBE-9617-31289FE6BC64}"/>
+    <pc:docChg chg="undo custSel modSld">
+      <pc:chgData name="Gabriel Nogueira da Silva Dantas" userId="695b62b784f1b019" providerId="LiveId" clId="{77621E93-BE4A-4BBE-9617-31289FE6BC64}" dt="2021-04-23T16:58:42.554" v="4" actId="26606"/>
+      <pc:docMkLst>
+        <pc:docMk/>
+      </pc:docMkLst>
+      <pc:sldChg chg="addSp delSp modSp mod setBg">
+        <pc:chgData name="Gabriel Nogueira da Silva Dantas" userId="695b62b784f1b019" providerId="LiveId" clId="{77621E93-BE4A-4BBE-9617-31289FE6BC64}" dt="2021-04-23T16:58:42.554" v="4" actId="26606"/>
+        <pc:sldMkLst>
+          <pc:docMk/>
+          <pc:sldMk cId="3183347244" sldId="256"/>
+        </pc:sldMkLst>
+        <pc:spChg chg="mod">
+          <ac:chgData name="Gabriel Nogueira da Silva Dantas" userId="695b62b784f1b019" providerId="LiveId" clId="{77621E93-BE4A-4BBE-9617-31289FE6BC64}" dt="2021-04-23T16:58:42.554" v="4" actId="26606"/>
+          <ac:spMkLst>
+            <pc:docMk/>
+            <pc:sldMk cId="3183347244" sldId="256"/>
+            <ac:spMk id="2" creationId="{47DDEB2F-F54D-4B7E-9913-972FA76FBF5E}"/>
+          </ac:spMkLst>
+        </pc:spChg>
+        <pc:spChg chg="mod">
+          <ac:chgData name="Gabriel Nogueira da Silva Dantas" userId="695b62b784f1b019" providerId="LiveId" clId="{77621E93-BE4A-4BBE-9617-31289FE6BC64}" dt="2021-04-23T16:58:42.554" v="4" actId="26606"/>
+          <ac:spMkLst>
+            <pc:docMk/>
+            <pc:sldMk cId="3183347244" sldId="256"/>
+            <ac:spMk id="3" creationId="{7F7EA722-15B9-4395-BDAB-8C5BC6208A39}"/>
+          </ac:spMkLst>
+        </pc:spChg>
+        <pc:spChg chg="add del">
+          <ac:chgData name="Gabriel Nogueira da Silva Dantas" userId="695b62b784f1b019" providerId="LiveId" clId="{77621E93-BE4A-4BBE-9617-31289FE6BC64}" dt="2021-04-23T16:58:42.534" v="3" actId="26606"/>
+          <ac:spMkLst>
+            <pc:docMk/>
+            <pc:sldMk cId="3183347244" sldId="256"/>
+            <ac:spMk id="9" creationId="{A4322390-8B58-46BE-88EB-D9FD30C08743}"/>
+          </ac:spMkLst>
+        </pc:spChg>
+        <pc:spChg chg="add">
+          <ac:chgData name="Gabriel Nogueira da Silva Dantas" userId="695b62b784f1b019" providerId="LiveId" clId="{77621E93-BE4A-4BBE-9617-31289FE6BC64}" dt="2021-04-23T16:58:42.554" v="4" actId="26606"/>
+          <ac:spMkLst>
+            <pc:docMk/>
+            <pc:sldMk cId="3183347244" sldId="256"/>
+            <ac:spMk id="13" creationId="{989BE678-777B-482A-A616-FEDC47B162E5}"/>
+          </ac:spMkLst>
+        </pc:spChg>
+        <pc:spChg chg="add">
+          <ac:chgData name="Gabriel Nogueira da Silva Dantas" userId="695b62b784f1b019" providerId="LiveId" clId="{77621E93-BE4A-4BBE-9617-31289FE6BC64}" dt="2021-04-23T16:58:42.554" v="4" actId="26606"/>
+          <ac:spMkLst>
+            <pc:docMk/>
+            <pc:sldMk cId="3183347244" sldId="256"/>
+            <ac:spMk id="19" creationId="{D28BE0C3-2102-4820-B88B-A448B1840D14}"/>
+          </ac:spMkLst>
+        </pc:spChg>
+        <pc:spChg chg="add">
+          <ac:chgData name="Gabriel Nogueira da Silva Dantas" userId="695b62b784f1b019" providerId="LiveId" clId="{77621E93-BE4A-4BBE-9617-31289FE6BC64}" dt="2021-04-23T16:58:42.554" v="4" actId="26606"/>
+          <ac:spMkLst>
+            <pc:docMk/>
+            <pc:sldMk cId="3183347244" sldId="256"/>
+            <ac:spMk id="21" creationId="{0D187C4E-14B9-4504-B200-5127823FA78C}"/>
+          </ac:spMkLst>
+        </pc:spChg>
+        <pc:picChg chg="add mod ord">
+          <ac:chgData name="Gabriel Nogueira da Silva Dantas" userId="695b62b784f1b019" providerId="LiveId" clId="{77621E93-BE4A-4BBE-9617-31289FE6BC64}" dt="2021-04-23T16:58:42.554" v="4" actId="26606"/>
+          <ac:picMkLst>
+            <pc:docMk/>
+            <pc:sldMk cId="3183347244" sldId="256"/>
+            <ac:picMk id="4" creationId="{E05C27AA-47B3-496E-9E74-F5F866DBE197}"/>
+          </ac:picMkLst>
+        </pc:picChg>
+        <pc:picChg chg="add">
+          <ac:chgData name="Gabriel Nogueira da Silva Dantas" userId="695b62b784f1b019" providerId="LiveId" clId="{77621E93-BE4A-4BBE-9617-31289FE6BC64}" dt="2021-04-23T16:58:42.554" v="4" actId="26606"/>
+          <ac:picMkLst>
+            <pc:docMk/>
+            <pc:sldMk cId="3183347244" sldId="256"/>
+            <ac:picMk id="11" creationId="{950648F4-ABCD-4DF0-8641-76CFB2354721}"/>
+          </ac:picMkLst>
+        </pc:picChg>
+        <pc:picChg chg="add">
+          <ac:chgData name="Gabriel Nogueira da Silva Dantas" userId="695b62b784f1b019" providerId="LiveId" clId="{77621E93-BE4A-4BBE-9617-31289FE6BC64}" dt="2021-04-23T16:58:42.554" v="4" actId="26606"/>
+          <ac:picMkLst>
+            <pc:docMk/>
+            <pc:sldMk cId="3183347244" sldId="256"/>
+            <ac:picMk id="12" creationId="{DF19BAF3-7E20-4B9D-B544-BABAEEA1FA75}"/>
+          </ac:picMkLst>
+        </pc:picChg>
+        <pc:picChg chg="add">
+          <ac:chgData name="Gabriel Nogueira da Silva Dantas" userId="695b62b784f1b019" providerId="LiveId" clId="{77621E93-BE4A-4BBE-9617-31289FE6BC64}" dt="2021-04-23T16:58:42.554" v="4" actId="26606"/>
+          <ac:picMkLst>
+            <pc:docMk/>
+            <pc:sldMk cId="3183347244" sldId="256"/>
+            <ac:picMk id="15" creationId="{CF1EB4BD-9C7E-4AA3-9681-C7EB0DA6250B}"/>
+          </ac:picMkLst>
+        </pc:picChg>
+        <pc:picChg chg="add">
+          <ac:chgData name="Gabriel Nogueira da Silva Dantas" userId="695b62b784f1b019" providerId="LiveId" clId="{77621E93-BE4A-4BBE-9617-31289FE6BC64}" dt="2021-04-23T16:58:42.554" v="4" actId="26606"/>
+          <ac:picMkLst>
+            <pc:docMk/>
+            <pc:sldMk cId="3183347244" sldId="256"/>
+            <ac:picMk id="17" creationId="{94AAE3AA-3759-4D28-B0EF-575F25A5146C}"/>
+          </ac:picMkLst>
+        </pc:picChg>
+      </pc:sldChg>
+    </pc:docChg>
+  </pc:docChgLst>
+</pc:chgInfo>
+</file>
+
 <file path=ppt/slideLayouts/slideLayout1.xml><?xml version="1.0" encoding="utf-8"?>
 <p:sldLayout xmlns:a="http://schemas.openxmlformats.org/drawingml/2006/main" xmlns:r="http://schemas.openxmlformats.org/officeDocument/2006/relationships" xmlns:p="http://schemas.openxmlformats.org/presentationml/2006/main" type="title" preserve="1">
   <p:cSld name="Slide de Título">
@@ -307,7 +424,7 @@
           <a:p>
             <a:fld id="{2AC2FE07-DD75-4051-B782-7458496D4DD3}" type="datetimeFigureOut">
               <a:rPr lang="en-US" smtClean="0"/>
-              <a:t>22-Apr-21</a:t>
+              <a:t>23-Apr-21</a:t>
             </a:fld>
             <a:endParaRPr lang="en-US"/>
           </a:p>
@@ -582,7 +699,7 @@
           <a:p>
             <a:fld id="{2AC2FE07-DD75-4051-B782-7458496D4DD3}" type="datetimeFigureOut">
               <a:rPr lang="en-US" smtClean="0"/>
-              <a:t>22-Apr-21</a:t>
+              <a:t>23-Apr-21</a:t>
             </a:fld>
             <a:endParaRPr lang="en-US"/>
           </a:p>
@@ -776,7 +893,7 @@
           <a:p>
             <a:fld id="{2AC2FE07-DD75-4051-B782-7458496D4DD3}" type="datetimeFigureOut">
               <a:rPr lang="en-US" smtClean="0"/>
-              <a:t>22-Apr-21</a:t>
+              <a:t>23-Apr-21</a:t>
             </a:fld>
             <a:endParaRPr lang="en-US"/>
           </a:p>
@@ -1049,7 +1166,7 @@
           <a:p>
             <a:fld id="{2AC2FE07-DD75-4051-B782-7458496D4DD3}" type="datetimeFigureOut">
               <a:rPr lang="en-US" smtClean="0"/>
-              <a:t>22-Apr-21</a:t>
+              <a:t>23-Apr-21</a:t>
             </a:fld>
             <a:endParaRPr lang="en-US"/>
           </a:p>
@@ -1390,7 +1507,7 @@
           <a:p>
             <a:fld id="{2AC2FE07-DD75-4051-B782-7458496D4DD3}" type="datetimeFigureOut">
               <a:rPr lang="en-US" smtClean="0"/>
-              <a:t>22-Apr-21</a:t>
+              <a:t>23-Apr-21</a:t>
             </a:fld>
             <a:endParaRPr lang="en-US"/>
           </a:p>
@@ -2013,7 +2130,7 @@
           <a:p>
             <a:fld id="{2AC2FE07-DD75-4051-B782-7458496D4DD3}" type="datetimeFigureOut">
               <a:rPr lang="en-US" smtClean="0"/>
-              <a:t>22-Apr-21</a:t>
+              <a:t>23-Apr-21</a:t>
             </a:fld>
             <a:endParaRPr lang="en-US"/>
           </a:p>
@@ -2873,7 +2990,7 @@
           <a:p>
             <a:fld id="{2AC2FE07-DD75-4051-B782-7458496D4DD3}" type="datetimeFigureOut">
               <a:rPr lang="en-US" smtClean="0"/>
-              <a:t>22-Apr-21</a:t>
+              <a:t>23-Apr-21</a:t>
             </a:fld>
             <a:endParaRPr lang="en-US"/>
           </a:p>
@@ -3043,7 +3160,7 @@
           <a:p>
             <a:fld id="{2AC2FE07-DD75-4051-B782-7458496D4DD3}" type="datetimeFigureOut">
               <a:rPr lang="en-US" smtClean="0"/>
-              <a:t>22-Apr-21</a:t>
+              <a:t>23-Apr-21</a:t>
             </a:fld>
             <a:endParaRPr lang="en-US"/>
           </a:p>
@@ -3223,7 +3340,7 @@
           <a:p>
             <a:fld id="{2AC2FE07-DD75-4051-B782-7458496D4DD3}" type="datetimeFigureOut">
               <a:rPr lang="en-US" smtClean="0"/>
-              <a:t>22-Apr-21</a:t>
+              <a:t>23-Apr-21</a:t>
             </a:fld>
             <a:endParaRPr lang="en-US"/>
           </a:p>
@@ -3393,7 +3510,7 @@
           <a:p>
             <a:fld id="{2AC2FE07-DD75-4051-B782-7458496D4DD3}" type="datetimeFigureOut">
               <a:rPr lang="en-US" smtClean="0"/>
-              <a:t>22-Apr-21</a:t>
+              <a:t>23-Apr-21</a:t>
             </a:fld>
             <a:endParaRPr lang="en-US"/>
           </a:p>
@@ -3640,7 +3757,7 @@
           <a:p>
             <a:fld id="{2AC2FE07-DD75-4051-B782-7458496D4DD3}" type="datetimeFigureOut">
               <a:rPr lang="en-US" smtClean="0"/>
-              <a:t>22-Apr-21</a:t>
+              <a:t>23-Apr-21</a:t>
             </a:fld>
             <a:endParaRPr lang="en-US"/>
           </a:p>
@@ -3932,7 +4049,7 @@
           <a:p>
             <a:fld id="{2AC2FE07-DD75-4051-B782-7458496D4DD3}" type="datetimeFigureOut">
               <a:rPr lang="en-US" smtClean="0"/>
-              <a:t>22-Apr-21</a:t>
+              <a:t>23-Apr-21</a:t>
             </a:fld>
             <a:endParaRPr lang="en-US"/>
           </a:p>
@@ -4376,7 +4493,7 @@
           <a:p>
             <a:fld id="{2AC2FE07-DD75-4051-B782-7458496D4DD3}" type="datetimeFigureOut">
               <a:rPr lang="en-US" smtClean="0"/>
-              <a:t>22-Apr-21</a:t>
+              <a:t>23-Apr-21</a:t>
             </a:fld>
             <a:endParaRPr lang="en-US"/>
           </a:p>
@@ -4494,7 +4611,7 @@
           <a:p>
             <a:fld id="{2AC2FE07-DD75-4051-B782-7458496D4DD3}" type="datetimeFigureOut">
               <a:rPr lang="en-US" smtClean="0"/>
-              <a:t>22-Apr-21</a:t>
+              <a:t>23-Apr-21</a:t>
             </a:fld>
             <a:endParaRPr lang="en-US"/>
           </a:p>
@@ -4589,7 +4706,7 @@
           <a:p>
             <a:fld id="{2AC2FE07-DD75-4051-B782-7458496D4DD3}" type="datetimeFigureOut">
               <a:rPr lang="en-US" smtClean="0"/>
-              <a:t>22-Apr-21</a:t>
+              <a:t>23-Apr-21</a:t>
             </a:fld>
             <a:endParaRPr lang="en-US"/>
           </a:p>
@@ -4868,7 +4985,7 @@
           <a:p>
             <a:fld id="{2AC2FE07-DD75-4051-B782-7458496D4DD3}" type="datetimeFigureOut">
               <a:rPr lang="en-US" smtClean="0"/>
-              <a:t>22-Apr-21</a:t>
+              <a:t>23-Apr-21</a:t>
             </a:fld>
             <a:endParaRPr lang="en-US"/>
           </a:p>
@@ -5143,7 +5260,7 @@
           <a:p>
             <a:fld id="{2AC2FE07-DD75-4051-B782-7458496D4DD3}" type="datetimeFigureOut">
               <a:rPr lang="en-US" smtClean="0"/>
-              <a:t>22-Apr-21</a:t>
+              <a:t>23-Apr-21</a:t>
             </a:fld>
             <a:endParaRPr lang="en-US"/>
           </a:p>
@@ -5572,7 +5689,7 @@
           <a:p>
             <a:fld id="{2AC2FE07-DD75-4051-B782-7458496D4DD3}" type="datetimeFigureOut">
               <a:rPr lang="en-US" smtClean="0"/>
-              <a:t>22-Apr-21</a:t>
+              <a:t>23-Apr-21</a:t>
             </a:fld>
             <a:endParaRPr lang="en-US"/>
           </a:p>
@@ -6086,6 +6203,14 @@
 <file path=ppt/slides/slide1.xml><?xml version="1.0" encoding="utf-8"?>
 <p:sld xmlns:a="http://schemas.openxmlformats.org/drawingml/2006/main" xmlns:r="http://schemas.openxmlformats.org/officeDocument/2006/relationships" xmlns:p="http://schemas.openxmlformats.org/presentationml/2006/main">
   <p:cSld>
+    <p:bg>
+      <p:bgPr>
+        <a:solidFill>
+          <a:schemeClr val="bg1"/>
+        </a:solidFill>
+        <a:effectLst/>
+      </p:bgPr>
+    </p:bg>
     <p:spTree>
       <p:nvGrpSpPr>
         <p:cNvPr id="1" name=""/>
@@ -6100,6 +6225,361 @@
           <a:chExt cx="0" cy="0"/>
         </a:xfrm>
       </p:grpSpPr>
+      <p:pic>
+        <p:nvPicPr>
+          <p:cNvPr id="12" name="Picture 8">
+            <a:extLst>
+              <a:ext uri="{FF2B5EF4-FFF2-40B4-BE49-F238E27FC236}">
+                <a16:creationId xmlns:a16="http://schemas.microsoft.com/office/drawing/2014/main" id="{DF19BAF3-7E20-4B9D-B544-BABAEEA1FA75}"/>
+              </a:ext>
+              <a:ext uri="{C183D7F6-B498-43B3-948B-1728B52AA6E4}">
+                <adec:decorative xmlns:adec="http://schemas.microsoft.com/office/drawing/2017/decorative" val="1"/>
+              </a:ext>
+            </a:extLst>
+          </p:cNvPr>
+          <p:cNvPicPr>
+            <a:picLocks noGrp="1" noRot="1" noChangeAspect="1" noMove="1" noResize="1" noEditPoints="1" noAdjustHandles="1" noChangeArrowheads="1" noChangeShapeType="1" noCrop="1"/>
+          </p:cNvPicPr>
+          <p:nvPr>
+            <p:extLst>
+              <p:ext uri="{386F3935-93C4-4BCD-93E2-E3B085C9AB24}">
+                <p16:designElem xmlns:p16="http://schemas.microsoft.com/office/powerpoint/2015/main" val="1"/>
+              </p:ext>
+            </p:extLst>
+          </p:nvPr>
+        </p:nvPicPr>
+        <p:blipFill rotWithShape="1">
+          <a:blip r:embed="rId2">
+            <a:extLst>
+              <a:ext uri="{28A0092B-C50C-407E-A947-70E740481C1C}">
+                <a14:useLocalDpi xmlns:a14="http://schemas.microsoft.com/office/drawing/2010/main" val="0"/>
+              </a:ext>
+            </a:extLst>
+          </a:blip>
+          <a:srcRect l="3613"/>
+          <a:stretch/>
+        </p:blipFill>
+        <p:spPr>
+          <a:xfrm>
+            <a:off x="0" y="2669685"/>
+            <a:ext cx="4037012" cy="4188315"/>
+          </a:xfrm>
+          <a:prstGeom prst="rect">
+            <a:avLst/>
+          </a:prstGeom>
+        </p:spPr>
+      </p:pic>
+      <p:pic>
+        <p:nvPicPr>
+          <p:cNvPr id="11" name="Picture 10">
+            <a:extLst>
+              <a:ext uri="{FF2B5EF4-FFF2-40B4-BE49-F238E27FC236}">
+                <a16:creationId xmlns:a16="http://schemas.microsoft.com/office/drawing/2014/main" id="{950648F4-ABCD-4DF0-8641-76CFB2354721}"/>
+              </a:ext>
+              <a:ext uri="{C183D7F6-B498-43B3-948B-1728B52AA6E4}">
+                <adec:decorative xmlns:adec="http://schemas.microsoft.com/office/drawing/2017/decorative" val="1"/>
+              </a:ext>
+            </a:extLst>
+          </p:cNvPr>
+          <p:cNvPicPr>
+            <a:picLocks noGrp="1" noRot="1" noChangeAspect="1" noMove="1" noResize="1" noEditPoints="1" noAdjustHandles="1" noChangeArrowheads="1" noChangeShapeType="1" noCrop="1"/>
+          </p:cNvPicPr>
+          <p:nvPr>
+            <p:extLst>
+              <p:ext uri="{386F3935-93C4-4BCD-93E2-E3B085C9AB24}">
+                <p16:designElem xmlns:p16="http://schemas.microsoft.com/office/powerpoint/2015/main" val="1"/>
+              </p:ext>
+            </p:extLst>
+          </p:nvPr>
+        </p:nvPicPr>
+        <p:blipFill rotWithShape="1">
+          <a:blip r:embed="rId3">
+            <a:extLst>
+              <a:ext uri="{28A0092B-C50C-407E-A947-70E740481C1C}">
+                <a14:useLocalDpi xmlns:a14="http://schemas.microsoft.com/office/drawing/2010/main" val="0"/>
+              </a:ext>
+            </a:extLst>
+          </a:blip>
+          <a:srcRect l="35640"/>
+          <a:stretch/>
+        </p:blipFill>
+        <p:spPr>
+          <a:xfrm>
+            <a:off x="0" y="2892347"/>
+            <a:ext cx="1522412" cy="2365453"/>
+          </a:xfrm>
+          <a:prstGeom prst="rect">
+            <a:avLst/>
+          </a:prstGeom>
+        </p:spPr>
+      </p:pic>
+      <p:sp>
+        <p:nvSpPr>
+          <p:cNvPr id="13" name="Oval 12">
+            <a:extLst>
+              <a:ext uri="{FF2B5EF4-FFF2-40B4-BE49-F238E27FC236}">
+                <a16:creationId xmlns:a16="http://schemas.microsoft.com/office/drawing/2014/main" id="{989BE678-777B-482A-A616-FEDC47B162E5}"/>
+              </a:ext>
+              <a:ext uri="{C183D7F6-B498-43B3-948B-1728B52AA6E4}">
+                <adec:decorative xmlns:adec="http://schemas.microsoft.com/office/drawing/2017/decorative" val="1"/>
+              </a:ext>
+            </a:extLst>
+          </p:cNvPr>
+          <p:cNvSpPr>
+            <a:spLocks noGrp="1" noRot="1" noChangeAspect="1" noMove="1" noResize="1" noEditPoints="1" noAdjustHandles="1" noChangeArrowheads="1" noChangeShapeType="1" noTextEdit="1"/>
+          </p:cNvSpPr>
+          <p:nvPr>
+            <p:extLst>
+              <p:ext uri="{386F3935-93C4-4BCD-93E2-E3B085C9AB24}">
+                <p16:designElem xmlns:p16="http://schemas.microsoft.com/office/powerpoint/2015/main" val="1"/>
+              </p:ext>
+            </p:extLst>
+          </p:nvPr>
+        </p:nvSpPr>
+        <p:spPr>
+          <a:xfrm>
+            <a:off x="8609012" y="1676400"/>
+            <a:ext cx="2819400" cy="2819400"/>
+          </a:xfrm>
+          <a:prstGeom prst="ellipse">
+            <a:avLst/>
+          </a:prstGeom>
+          <a:gradFill flip="none" rotWithShape="1">
+            <a:gsLst>
+              <a:gs pos="0">
+                <a:schemeClr val="bg2">
+                  <a:lumMod val="60000"/>
+                  <a:lumOff val="40000"/>
+                  <a:alpha val="7000"/>
+                </a:schemeClr>
+              </a:gs>
+              <a:gs pos="69000">
+                <a:schemeClr val="bg2">
+                  <a:lumMod val="60000"/>
+                  <a:lumOff val="40000"/>
+                  <a:alpha val="0"/>
+                </a:schemeClr>
+              </a:gs>
+              <a:gs pos="36000">
+                <a:schemeClr val="bg2">
+                  <a:lumMod val="60000"/>
+                  <a:lumOff val="40000"/>
+                  <a:alpha val="6000"/>
+                </a:schemeClr>
+              </a:gs>
+            </a:gsLst>
+            <a:path path="circle">
+              <a:fillToRect l="50000" t="50000" r="50000" b="50000"/>
+            </a:path>
+            <a:tileRect/>
+          </a:gradFill>
+          <a:ln>
+            <a:noFill/>
+          </a:ln>
+          <a:effectLst/>
+        </p:spPr>
+        <p:style>
+          <a:lnRef idx="1">
+            <a:schemeClr val="accent1"/>
+          </a:lnRef>
+          <a:fillRef idx="3">
+            <a:schemeClr val="accent1"/>
+          </a:fillRef>
+          <a:effectRef idx="2">
+            <a:schemeClr val="accent1"/>
+          </a:effectRef>
+          <a:fontRef idx="minor">
+            <a:schemeClr val="lt1"/>
+          </a:fontRef>
+        </p:style>
+      </p:sp>
+      <p:pic>
+        <p:nvPicPr>
+          <p:cNvPr id="15" name="Picture 14">
+            <a:extLst>
+              <a:ext uri="{FF2B5EF4-FFF2-40B4-BE49-F238E27FC236}">
+                <a16:creationId xmlns:a16="http://schemas.microsoft.com/office/drawing/2014/main" id="{CF1EB4BD-9C7E-4AA3-9681-C7EB0DA6250B}"/>
+              </a:ext>
+              <a:ext uri="{C183D7F6-B498-43B3-948B-1728B52AA6E4}">
+                <adec:decorative xmlns:adec="http://schemas.microsoft.com/office/drawing/2017/decorative" val="1"/>
+              </a:ext>
+            </a:extLst>
+          </p:cNvPr>
+          <p:cNvPicPr>
+            <a:picLocks noGrp="1" noRot="1" noChangeAspect="1" noMove="1" noResize="1" noEditPoints="1" noAdjustHandles="1" noChangeArrowheads="1" noChangeShapeType="1" noCrop="1"/>
+          </p:cNvPicPr>
+          <p:nvPr>
+            <p:extLst>
+              <p:ext uri="{386F3935-93C4-4BCD-93E2-E3B085C9AB24}">
+                <p16:designElem xmlns:p16="http://schemas.microsoft.com/office/powerpoint/2015/main" val="1"/>
+              </p:ext>
+            </p:extLst>
+          </p:nvPr>
+        </p:nvPicPr>
+        <p:blipFill rotWithShape="1">
+          <a:blip r:embed="rId4">
+            <a:extLst>
+              <a:ext uri="{28A0092B-C50C-407E-A947-70E740481C1C}">
+                <a14:useLocalDpi xmlns:a14="http://schemas.microsoft.com/office/drawing/2010/main" val="0"/>
+              </a:ext>
+            </a:extLst>
+          </a:blip>
+          <a:srcRect t="28813"/>
+          <a:stretch/>
+        </p:blipFill>
+        <p:spPr>
+          <a:xfrm>
+            <a:off x="7999412" y="0"/>
+            <a:ext cx="1603387" cy="1141407"/>
+          </a:xfrm>
+          <a:prstGeom prst="rect">
+            <a:avLst/>
+          </a:prstGeom>
+        </p:spPr>
+      </p:pic>
+      <p:pic>
+        <p:nvPicPr>
+          <p:cNvPr id="17" name="Picture 16">
+            <a:extLst>
+              <a:ext uri="{FF2B5EF4-FFF2-40B4-BE49-F238E27FC236}">
+                <a16:creationId xmlns:a16="http://schemas.microsoft.com/office/drawing/2014/main" id="{94AAE3AA-3759-4D28-B0EF-575F25A5146C}"/>
+              </a:ext>
+              <a:ext uri="{C183D7F6-B498-43B3-948B-1728B52AA6E4}">
+                <adec:decorative xmlns:adec="http://schemas.microsoft.com/office/drawing/2017/decorative" val="1"/>
+              </a:ext>
+            </a:extLst>
+          </p:cNvPr>
+          <p:cNvPicPr>
+            <a:picLocks noGrp="1" noRot="1" noChangeAspect="1" noMove="1" noResize="1" noEditPoints="1" noAdjustHandles="1" noChangeArrowheads="1" noChangeShapeType="1" noCrop="1"/>
+          </p:cNvPicPr>
+          <p:nvPr>
+            <p:extLst>
+              <p:ext uri="{386F3935-93C4-4BCD-93E2-E3B085C9AB24}">
+                <p16:designElem xmlns:p16="http://schemas.microsoft.com/office/powerpoint/2015/main" val="1"/>
+              </p:ext>
+            </p:extLst>
+          </p:nvPr>
+        </p:nvPicPr>
+        <p:blipFill rotWithShape="1">
+          <a:blip r:embed="rId5">
+            <a:extLst>
+              <a:ext uri="{28A0092B-C50C-407E-A947-70E740481C1C}">
+                <a14:useLocalDpi xmlns:a14="http://schemas.microsoft.com/office/drawing/2010/main" val="0"/>
+              </a:ext>
+            </a:extLst>
+          </a:blip>
+          <a:srcRect b="23320"/>
+          <a:stretch/>
+        </p:blipFill>
+        <p:spPr>
+          <a:xfrm>
+            <a:off x="8605878" y="6096000"/>
+            <a:ext cx="993734" cy="762000"/>
+          </a:xfrm>
+          <a:prstGeom prst="rect">
+            <a:avLst/>
+          </a:prstGeom>
+        </p:spPr>
+      </p:pic>
+      <p:sp>
+        <p:nvSpPr>
+          <p:cNvPr id="19" name="Rectangle 18">
+            <a:extLst>
+              <a:ext uri="{FF2B5EF4-FFF2-40B4-BE49-F238E27FC236}">
+                <a16:creationId xmlns:a16="http://schemas.microsoft.com/office/drawing/2014/main" id="{D28BE0C3-2102-4820-B88B-A448B1840D14}"/>
+              </a:ext>
+              <a:ext uri="{C183D7F6-B498-43B3-948B-1728B52AA6E4}">
+                <adec:decorative xmlns:adec="http://schemas.microsoft.com/office/drawing/2017/decorative" val="1"/>
+              </a:ext>
+            </a:extLst>
+          </p:cNvPr>
+          <p:cNvSpPr>
+            <a:spLocks noGrp="1" noRot="1" noChangeAspect="1" noMove="1" noResize="1" noEditPoints="1" noAdjustHandles="1" noChangeArrowheads="1" noChangeShapeType="1" noTextEdit="1"/>
+          </p:cNvSpPr>
+          <p:nvPr>
+            <p:extLst>
+              <p:ext uri="{386F3935-93C4-4BCD-93E2-E3B085C9AB24}">
+                <p16:designElem xmlns:p16="http://schemas.microsoft.com/office/powerpoint/2015/main" val="1"/>
+              </p:ext>
+            </p:extLst>
+          </p:nvPr>
+        </p:nvSpPr>
+        <p:spPr>
+          <a:xfrm>
+            <a:off x="10437812" y="0"/>
+            <a:ext cx="685800" cy="1143000"/>
+          </a:xfrm>
+          <a:prstGeom prst="rect">
+            <a:avLst/>
+          </a:prstGeom>
+          <a:solidFill>
+            <a:schemeClr val="accent1"/>
+          </a:solidFill>
+          <a:ln>
+            <a:noFill/>
+          </a:ln>
+        </p:spPr>
+        <p:style>
+          <a:lnRef idx="1">
+            <a:schemeClr val="accent1"/>
+          </a:lnRef>
+          <a:fillRef idx="3">
+            <a:schemeClr val="accent1"/>
+          </a:fillRef>
+          <a:effectRef idx="2">
+            <a:schemeClr val="accent1"/>
+          </a:effectRef>
+          <a:fontRef idx="minor">
+            <a:schemeClr val="lt1"/>
+          </a:fontRef>
+        </p:style>
+      </p:sp>
+      <p:pic>
+        <p:nvPicPr>
+          <p:cNvPr id="4" name="Picture 4" descr="Bilheterias de cinema no Brasil sofrem queda brutal por coronavírus | VEJA">
+            <a:extLst>
+              <a:ext uri="{FF2B5EF4-FFF2-40B4-BE49-F238E27FC236}">
+                <a16:creationId xmlns:a16="http://schemas.microsoft.com/office/drawing/2014/main" id="{E05C27AA-47B3-496E-9E74-F5F866DBE197}"/>
+              </a:ext>
+            </a:extLst>
+          </p:cNvPr>
+          <p:cNvPicPr>
+            <a:picLocks noChangeAspect="1" noChangeArrowheads="1"/>
+          </p:cNvPicPr>
+          <p:nvPr/>
+        </p:nvPicPr>
+        <p:blipFill rotWithShape="1">
+          <a:blip r:embed="rId6">
+            <a:alphaModFix amt="35000"/>
+            <a:extLst>
+              <a:ext uri="{28A0092B-C50C-407E-A947-70E740481C1C}">
+                <a14:useLocalDpi xmlns:a14="http://schemas.microsoft.com/office/drawing/2010/main" val="0"/>
+              </a:ext>
+            </a:extLst>
+          </a:blip>
+          <a:srcRect b="15730"/>
+          <a:stretch/>
+        </p:blipFill>
+        <p:spPr bwMode="auto">
+          <a:xfrm>
+            <a:off x="20" y="-1"/>
+            <a:ext cx="12191980" cy="6858000"/>
+          </a:xfrm>
+          <a:prstGeom prst="rect">
+            <a:avLst/>
+          </a:prstGeom>
+          <a:noFill/>
+          <a:extLst>
+            <a:ext uri="{909E8E84-426E-40DD-AFC4-6F175D3DCCD1}">
+              <a14:hiddenFill xmlns:a14="http://schemas.microsoft.com/office/drawing/2010/main">
+                <a:solidFill>
+                  <a:srgbClr val="FFFFFF"/>
+                </a:solidFill>
+              </a14:hiddenFill>
+            </a:ext>
+          </a:extLst>
+        </p:spPr>
+      </p:pic>
       <p:sp>
         <p:nvSpPr>
           <p:cNvPr id="2" name="Título 1">
@@ -6116,37 +6596,77 @@
             <p:ph type="ctrTitle"/>
           </p:nvPr>
         </p:nvSpPr>
-        <p:spPr/>
-        <p:txBody>
-          <a:bodyPr/>
+        <p:spPr>
+          <a:xfrm>
+            <a:off x="646111" y="452718"/>
+            <a:ext cx="9404723" cy="1400530"/>
+          </a:xfrm>
+        </p:spPr>
+        <p:txBody>
+          <a:bodyPr vert="horz" lIns="91440" tIns="45720" rIns="91440" bIns="45720" rtlCol="0" anchor="t">
+            <a:normAutofit/>
+          </a:bodyPr>
           <a:lstStyle/>
           <a:p>
             <a:r>
-              <a:rPr lang="en-US" dirty="0" err="1"/>
-              <a:t>Controle</a:t>
-            </a:r>
-            <a:r>
-              <a:rPr lang="en-US" dirty="0"/>
-              <a:t> de </a:t>
-            </a:r>
-            <a:r>
-              <a:rPr lang="en-US" dirty="0" err="1"/>
-              <a:t>Fluxo</a:t>
-            </a:r>
-            <a:r>
-              <a:rPr lang="en-US" dirty="0"/>
-              <a:t> </a:t>
-            </a:r>
-            <a:r>
-              <a:rPr lang="en-US" dirty="0" err="1"/>
-              <a:t>em</a:t>
-            </a:r>
-            <a:r>
-              <a:rPr lang="en-US" dirty="0"/>
-              <a:t> um cinema</a:t>
-            </a:r>
-          </a:p>
-        </p:txBody>
+              <a:rPr lang="en-US" sz="4200"/>
+              <a:t>Controle de Fluxo em um cinema</a:t>
+            </a:r>
+          </a:p>
+        </p:txBody>
+      </p:sp>
+      <p:sp>
+        <p:nvSpPr>
+          <p:cNvPr id="21" name="Rectangle 20">
+            <a:extLst>
+              <a:ext uri="{FF2B5EF4-FFF2-40B4-BE49-F238E27FC236}">
+                <a16:creationId xmlns:a16="http://schemas.microsoft.com/office/drawing/2014/main" id="{0D187C4E-14B9-4504-B200-5127823FA78C}"/>
+              </a:ext>
+              <a:ext uri="{C183D7F6-B498-43B3-948B-1728B52AA6E4}">
+                <adec:decorative xmlns:adec="http://schemas.microsoft.com/office/drawing/2017/decorative" val="1"/>
+              </a:ext>
+            </a:extLst>
+          </p:cNvPr>
+          <p:cNvSpPr>
+            <a:spLocks noGrp="1" noRot="1" noChangeAspect="1" noMove="1" noResize="1" noEditPoints="1" noAdjustHandles="1" noChangeArrowheads="1" noChangeShapeType="1" noTextEdit="1"/>
+          </p:cNvSpPr>
+          <p:nvPr>
+            <p:extLst>
+              <p:ext uri="{386F3935-93C4-4BCD-93E2-E3B085C9AB24}">
+                <p16:designElem xmlns:p16="http://schemas.microsoft.com/office/powerpoint/2015/main" val="1"/>
+              </p:ext>
+            </p:extLst>
+          </p:nvPr>
+        </p:nvSpPr>
+        <p:spPr>
+          <a:xfrm>
+            <a:off x="10442448" y="0"/>
+            <a:ext cx="685800" cy="1143000"/>
+          </a:xfrm>
+          <a:prstGeom prst="rect">
+            <a:avLst/>
+          </a:prstGeom>
+          <a:solidFill>
+            <a:schemeClr val="accent1"/>
+          </a:solidFill>
+          <a:ln>
+            <a:noFill/>
+          </a:ln>
+        </p:spPr>
+        <p:style>
+          <a:lnRef idx="1">
+            <a:schemeClr val="accent1"/>
+          </a:lnRef>
+          <a:fillRef idx="3">
+            <a:schemeClr val="accent1"/>
+          </a:fillRef>
+          <a:effectRef idx="2">
+            <a:schemeClr val="accent1"/>
+          </a:effectRef>
+          <a:fontRef idx="minor">
+            <a:schemeClr val="lt1"/>
+          </a:fontRef>
+        </p:style>
       </p:sp>
       <p:sp>
         <p:nvSpPr>
@@ -6164,61 +6684,72 @@
             <p:ph type="subTitle" idx="1"/>
           </p:nvPr>
         </p:nvSpPr>
-        <p:spPr/>
-        <p:txBody>
-          <a:bodyPr>
-            <a:normAutofit fontScale="32500" lnSpcReduction="20000"/>
+        <p:spPr>
+          <a:xfrm>
+            <a:off x="1103312" y="2052918"/>
+            <a:ext cx="8946541" cy="4195481"/>
+          </a:xfrm>
+        </p:spPr>
+        <p:txBody>
+          <a:bodyPr vert="horz" lIns="91440" tIns="45720" rIns="91440" bIns="45720" rtlCol="0">
+            <a:normAutofit/>
           </a:bodyPr>
           <a:lstStyle/>
           <a:p>
-            <a:r>
-              <a:rPr lang="en-US" dirty="0"/>
+            <a:pPr>
+              <a:buFont typeface="Wingdings 3" charset="2"/>
+              <a:buChar char=""/>
+            </a:pPr>
+            <a:r>
+              <a:rPr lang="en-US">
+                <a:solidFill>
+                  <a:schemeClr val="tx1"/>
+                </a:solidFill>
+              </a:rPr>
               <a:t>Gabriel Nogueira da silva Dantas</a:t>
             </a:r>
           </a:p>
           <a:p>
-            <a:r>
-              <a:rPr lang="en-US" dirty="0"/>
+            <a:pPr>
+              <a:buFont typeface="Wingdings 3" charset="2"/>
+              <a:buChar char=""/>
+            </a:pPr>
+            <a:r>
+              <a:rPr lang="en-US">
+                <a:solidFill>
+                  <a:schemeClr val="tx1"/>
+                </a:solidFill>
+              </a:rPr>
               <a:t>Jonas Peixoto da silva</a:t>
             </a:r>
           </a:p>
           <a:p>
-            <a:r>
-              <a:rPr lang="en-US" dirty="0"/>
-              <a:t>Matheus </a:t>
-            </a:r>
-            <a:r>
-              <a:rPr lang="en-US" dirty="0" err="1"/>
-              <a:t>felipe</a:t>
-            </a:r>
-            <a:r>
-              <a:rPr lang="en-US" dirty="0"/>
-              <a:t> </a:t>
-            </a:r>
-            <a:r>
-              <a:rPr lang="en-US" dirty="0" err="1"/>
-              <a:t>souto</a:t>
-            </a:r>
-            <a:r>
-              <a:rPr lang="en-US" dirty="0"/>
-              <a:t> de </a:t>
-            </a:r>
-            <a:r>
-              <a:rPr lang="en-US" dirty="0" err="1"/>
-              <a:t>alcântara</a:t>
-            </a:r>
-            <a:endParaRPr lang="en-US" dirty="0"/>
-          </a:p>
-          <a:p>
-            <a:r>
-              <a:rPr lang="en-US" dirty="0"/>
-              <a:t>Yuri da silva </a:t>
-            </a:r>
-            <a:r>
-              <a:rPr lang="en-US" dirty="0" err="1"/>
-              <a:t>furtado</a:t>
-            </a:r>
-            <a:endParaRPr lang="en-US" dirty="0"/>
+            <a:pPr>
+              <a:buFont typeface="Wingdings 3" charset="2"/>
+              <a:buChar char=""/>
+            </a:pPr>
+            <a:r>
+              <a:rPr lang="en-US">
+                <a:solidFill>
+                  <a:schemeClr val="tx1"/>
+                </a:solidFill>
+              </a:rPr>
+              <a:t>Matheus felipe souto de alcântara</a:t>
+            </a:r>
+          </a:p>
+          <a:p>
+            <a:pPr>
+              <a:buFont typeface="Wingdings 3" charset="2"/>
+              <a:buChar char=""/>
+            </a:pPr>
+            <a:r>
+              <a:rPr lang="en-US">
+                <a:solidFill>
+                  <a:schemeClr val="tx1"/>
+                </a:solidFill>
+              </a:rPr>
+              <a:t>Yuri da silva furtado</a:t>
+            </a:r>
           </a:p>
         </p:txBody>
       </p:sp>
